--- a/BDK10-7.pptx
+++ b/BDK10-7.pptx
@@ -581,7 +581,7 @@
               </a14:hiddenFill>
             </a:ext>
             <a:ext uri="{FAA26D3D-D897-4be2-8F04-BA451C77F1D7}">
-              <ma14:placeholderFlag xmlns="" xmlns:ma14="http://schemas.microsoft.com/office/mac/drawingml/2011/main" val="1"/>
+              <ma14:placeholderFlag xmlns:ma14="http://schemas.microsoft.com/office/mac/drawingml/2011/main" xmlns="" val="1"/>
             </a:ext>
           </a:extLst>
         </p:spPr>
@@ -1110,7 +1110,7 @@
               </a14:hiddenLine>
             </a:ext>
             <a:ext uri="{FAA26D3D-D897-4be2-8F04-BA451C77F1D7}">
-              <ma14:placeholderFlag xmlns="" xmlns:ma14="http://schemas.microsoft.com/office/mac/drawingml/2011/main" val="1"/>
+              <ma14:placeholderFlag xmlns:ma14="http://schemas.microsoft.com/office/mac/drawingml/2011/main" xmlns="" val="1"/>
             </a:ext>
           </a:extLst>
         </p:spPr>
@@ -1358,7 +1358,7 @@
               </a14:hiddenLine>
             </a:ext>
             <a:ext uri="{FAA26D3D-D897-4be2-8F04-BA451C77F1D7}">
-              <ma14:placeholderFlag xmlns="" xmlns:ma14="http://schemas.microsoft.com/office/mac/drawingml/2011/main" val="1"/>
+              <ma14:placeholderFlag xmlns:ma14="http://schemas.microsoft.com/office/mac/drawingml/2011/main" xmlns="" val="1"/>
             </a:ext>
           </a:extLst>
         </p:spPr>
@@ -1606,7 +1606,7 @@
               </a14:hiddenLine>
             </a:ext>
             <a:ext uri="{FAA26D3D-D897-4be2-8F04-BA451C77F1D7}">
-              <ma14:placeholderFlag xmlns="" xmlns:ma14="http://schemas.microsoft.com/office/mac/drawingml/2011/main" val="1"/>
+              <ma14:placeholderFlag xmlns:ma14="http://schemas.microsoft.com/office/mac/drawingml/2011/main" xmlns="" val="1"/>
             </a:ext>
           </a:extLst>
         </p:spPr>
@@ -1854,7 +1854,7 @@
               </a14:hiddenLine>
             </a:ext>
             <a:ext uri="{FAA26D3D-D897-4be2-8F04-BA451C77F1D7}">
-              <ma14:placeholderFlag xmlns="" xmlns:ma14="http://schemas.microsoft.com/office/mac/drawingml/2011/main" val="1"/>
+              <ma14:placeholderFlag xmlns:ma14="http://schemas.microsoft.com/office/mac/drawingml/2011/main" xmlns="" val="1"/>
             </a:ext>
           </a:extLst>
         </p:spPr>
@@ -2102,7 +2102,7 @@
               </a14:hiddenLine>
             </a:ext>
             <a:ext uri="{FAA26D3D-D897-4be2-8F04-BA451C77F1D7}">
-              <ma14:placeholderFlag xmlns="" xmlns:ma14="http://schemas.microsoft.com/office/mac/drawingml/2011/main" val="1"/>
+              <ma14:placeholderFlag xmlns:ma14="http://schemas.microsoft.com/office/mac/drawingml/2011/main" xmlns="" val="1"/>
             </a:ext>
           </a:extLst>
         </p:spPr>
@@ -2350,7 +2350,7 @@
               </a14:hiddenLine>
             </a:ext>
             <a:ext uri="{FAA26D3D-D897-4be2-8F04-BA451C77F1D7}">
-              <ma14:placeholderFlag xmlns="" xmlns:ma14="http://schemas.microsoft.com/office/mac/drawingml/2011/main" val="1"/>
+              <ma14:placeholderFlag xmlns:ma14="http://schemas.microsoft.com/office/mac/drawingml/2011/main" xmlns="" val="1"/>
             </a:ext>
           </a:extLst>
         </p:spPr>
@@ -2598,7 +2598,7 @@
               </a14:hiddenLine>
             </a:ext>
             <a:ext uri="{FAA26D3D-D897-4be2-8F04-BA451C77F1D7}">
-              <ma14:placeholderFlag xmlns="" xmlns:ma14="http://schemas.microsoft.com/office/mac/drawingml/2011/main" val="1"/>
+              <ma14:placeholderFlag xmlns:ma14="http://schemas.microsoft.com/office/mac/drawingml/2011/main" xmlns="" val="1"/>
             </a:ext>
           </a:extLst>
         </p:spPr>
@@ -2689,7 +2689,7 @@
               </a14:hiddenLine>
             </a:ext>
             <a:ext uri="{FAA26D3D-D897-4be2-8F04-BA451C77F1D7}">
-              <ma14:placeholderFlag xmlns="" xmlns:ma14="http://schemas.microsoft.com/office/mac/drawingml/2011/main" val="1"/>
+              <ma14:placeholderFlag xmlns:ma14="http://schemas.microsoft.com/office/mac/drawingml/2011/main" xmlns="" val="1"/>
             </a:ext>
           </a:extLst>
         </p:spPr>
@@ -2936,7 +2936,7 @@
               </a14:hiddenLine>
             </a:ext>
             <a:ext uri="{FAA26D3D-D897-4be2-8F04-BA451C77F1D7}">
-              <ma14:placeholderFlag xmlns="" xmlns:ma14="http://schemas.microsoft.com/office/mac/drawingml/2011/main" val="1"/>
+              <ma14:placeholderFlag xmlns:ma14="http://schemas.microsoft.com/office/mac/drawingml/2011/main" xmlns="" val="1"/>
             </a:ext>
           </a:extLst>
         </p:spPr>
@@ -3183,7 +3183,7 @@
               </a14:hiddenLine>
             </a:ext>
             <a:ext uri="{FAA26D3D-D897-4be2-8F04-BA451C77F1D7}">
-              <ma14:placeholderFlag xmlns="" xmlns:ma14="http://schemas.microsoft.com/office/mac/drawingml/2011/main" val="1"/>
+              <ma14:placeholderFlag xmlns:ma14="http://schemas.microsoft.com/office/mac/drawingml/2011/main" xmlns="" val="1"/>
             </a:ext>
           </a:extLst>
         </p:spPr>
@@ -3430,7 +3430,7 @@
               </a14:hiddenLine>
             </a:ext>
             <a:ext uri="{FAA26D3D-D897-4be2-8F04-BA451C77F1D7}">
-              <ma14:placeholderFlag xmlns="" xmlns:ma14="http://schemas.microsoft.com/office/mac/drawingml/2011/main" val="1"/>
+              <ma14:placeholderFlag xmlns:ma14="http://schemas.microsoft.com/office/mac/drawingml/2011/main" xmlns="" val="1"/>
             </a:ext>
           </a:extLst>
         </p:spPr>
@@ -3677,7 +3677,7 @@
               </a14:hiddenLine>
             </a:ext>
             <a:ext uri="{FAA26D3D-D897-4be2-8F04-BA451C77F1D7}">
-              <ma14:placeholderFlag xmlns="" xmlns:ma14="http://schemas.microsoft.com/office/mac/drawingml/2011/main" val="1"/>
+              <ma14:placeholderFlag xmlns:ma14="http://schemas.microsoft.com/office/mac/drawingml/2011/main" xmlns="" val="1"/>
             </a:ext>
           </a:extLst>
         </p:spPr>
@@ -4421,7 +4421,7 @@
               </a14:hiddenLine>
             </a:ext>
             <a:ext uri="{FAA26D3D-D897-4be2-8F04-BA451C77F1D7}">
-              <ma14:placeholderFlag xmlns="" xmlns:ma14="http://schemas.microsoft.com/office/mac/drawingml/2011/main" val="1"/>
+              <ma14:placeholderFlag xmlns:ma14="http://schemas.microsoft.com/office/mac/drawingml/2011/main" xmlns="" val="1"/>
             </a:ext>
           </a:extLst>
         </p:spPr>
@@ -4669,7 +4669,7 @@
               </a14:hiddenLine>
             </a:ext>
             <a:ext uri="{FAA26D3D-D897-4be2-8F04-BA451C77F1D7}">
-              <ma14:placeholderFlag xmlns="" xmlns:ma14="http://schemas.microsoft.com/office/mac/drawingml/2011/main" val="1"/>
+              <ma14:placeholderFlag xmlns:ma14="http://schemas.microsoft.com/office/mac/drawingml/2011/main" xmlns="" val="1"/>
             </a:ext>
           </a:extLst>
         </p:spPr>
@@ -4917,7 +4917,7 @@
               </a14:hiddenLine>
             </a:ext>
             <a:ext uri="{FAA26D3D-D897-4be2-8F04-BA451C77F1D7}">
-              <ma14:placeholderFlag xmlns="" xmlns:ma14="http://schemas.microsoft.com/office/mac/drawingml/2011/main" val="1"/>
+              <ma14:placeholderFlag xmlns:ma14="http://schemas.microsoft.com/office/mac/drawingml/2011/main" xmlns="" val="1"/>
             </a:ext>
           </a:extLst>
         </p:spPr>
@@ -5165,7 +5165,7 @@
               </a14:hiddenLine>
             </a:ext>
             <a:ext uri="{FAA26D3D-D897-4be2-8F04-BA451C77F1D7}">
-              <ma14:placeholderFlag xmlns="" xmlns:ma14="http://schemas.microsoft.com/office/mac/drawingml/2011/main" val="1"/>
+              <ma14:placeholderFlag xmlns:ma14="http://schemas.microsoft.com/office/mac/drawingml/2011/main" xmlns="" val="1"/>
             </a:ext>
           </a:extLst>
         </p:spPr>
@@ -5413,7 +5413,7 @@
               </a14:hiddenLine>
             </a:ext>
             <a:ext uri="{FAA26D3D-D897-4be2-8F04-BA451C77F1D7}">
-              <ma14:placeholderFlag xmlns="" xmlns:ma14="http://schemas.microsoft.com/office/mac/drawingml/2011/main" val="1"/>
+              <ma14:placeholderFlag xmlns:ma14="http://schemas.microsoft.com/office/mac/drawingml/2011/main" xmlns="" val="1"/>
             </a:ext>
           </a:extLst>
         </p:spPr>
@@ -5661,7 +5661,7 @@
               </a14:hiddenLine>
             </a:ext>
             <a:ext uri="{FAA26D3D-D897-4be2-8F04-BA451C77F1D7}">
-              <ma14:placeholderFlag xmlns="" xmlns:ma14="http://schemas.microsoft.com/office/mac/drawingml/2011/main" val="1"/>
+              <ma14:placeholderFlag xmlns:ma14="http://schemas.microsoft.com/office/mac/drawingml/2011/main" xmlns="" val="1"/>
             </a:ext>
           </a:extLst>
         </p:spPr>
@@ -5909,7 +5909,7 @@
               </a14:hiddenLine>
             </a:ext>
             <a:ext uri="{FAA26D3D-D897-4be2-8F04-BA451C77F1D7}">
-              <ma14:placeholderFlag xmlns="" xmlns:ma14="http://schemas.microsoft.com/office/mac/drawingml/2011/main" val="1"/>
+              <ma14:placeholderFlag xmlns:ma14="http://schemas.microsoft.com/office/mac/drawingml/2011/main" xmlns="" val="1"/>
             </a:ext>
           </a:extLst>
         </p:spPr>
@@ -32358,7 +32358,22 @@
             </a:r>
             <a:r>
               <a:rPr lang="en-US" dirty="0" smtClean="0"/>
-              <a:t>healthcare; has “graduated” medical school</a:t>
+              <a:t>healthcare; has “graduated” medical </a:t>
+            </a:r>
+            <a:r>
+              <a:rPr lang="en-US" dirty="0" smtClean="0"/>
+              <a:t>school</a:t>
+            </a:r>
+          </a:p>
+          <a:p>
+            <a:pPr lvl="1">
+              <a:lnSpc>
+                <a:spcPct val="90000"/>
+              </a:lnSpc>
+            </a:pPr>
+            <a:r>
+              <a:rPr lang="en-US" dirty="0"/>
+              <a:t>Some concern over hype</a:t>
             </a:r>
             <a:endParaRPr lang="en-US" dirty="0"/>
           </a:p>
@@ -32376,8 +32391,8 @@
         </p:nvSpPr>
         <p:spPr>
           <a:xfrm>
-            <a:off x="990600" y="6555553"/>
-            <a:ext cx="7928429" cy="228600"/>
+            <a:off x="224972" y="6555553"/>
+            <a:ext cx="8694058" cy="228600"/>
           </a:xfrm>
         </p:spPr>
         <p:txBody>
@@ -32466,8 +32481,21 @@
             </a:r>
             <a:r>
               <a:rPr lang="en-US" dirty="0"/>
-              <a:t>(Cerrato, 2012)</a:t>
-            </a:r>
+              <a:t>(Cerrato, 2012</a:t>
+            </a:r>
+            <a:r>
+              <a:rPr lang="en-US" dirty="0"/>
+              <a:t>), (</a:t>
+            </a:r>
+            <a:r>
+              <a:rPr lang="en-US" dirty="0" err="1"/>
+              <a:t>Schank</a:t>
+            </a:r>
+            <a:r>
+              <a:rPr lang="en-US" dirty="0"/>
+              <a:t>, 2016)</a:t>
+            </a:r>
+            <a:endParaRPr lang="en-US" dirty="0"/>
           </a:p>
         </p:txBody>
       </p:sp>
@@ -33526,6 +33554,17 @@
               <a:rPr lang="en-US" dirty="0" smtClean="0"/>
               <a:t>system</a:t>
             </a:r>
+          </a:p>
+          <a:p>
+            <a:pPr lvl="1"/>
+            <a:r>
+              <a:rPr lang="en-US" dirty="0"/>
+              <a:t>Performance so far falls “within evidence-based </a:t>
+            </a:r>
+            <a:r>
+              <a:rPr lang="en-US" dirty="0" smtClean="0"/>
+              <a:t>standards”</a:t>
+            </a:r>
             <a:endParaRPr lang="en-US" dirty="0"/>
           </a:p>
         </p:txBody>
@@ -33560,8 +33599,13 @@
             </a:r>
             <a:r>
               <a:rPr lang="en-US" dirty="0"/>
-              <a:t>, 2012), (Cerrato, 2012)</a:t>
-            </a:r>
+              <a:t>, 2012), (Cerrato, 2012</a:t>
+            </a:r>
+            <a:r>
+              <a:rPr lang="en-US" dirty="0"/>
+              <a:t>), (Kris, 2015)</a:t>
+            </a:r>
+            <a:endParaRPr lang="en-US" dirty="0"/>
           </a:p>
         </p:txBody>
       </p:sp>
@@ -33984,8 +34028,34 @@
             </a:r>
             <a:r>
               <a:rPr lang="en-US" dirty="0" smtClean="0"/>
-              <a:t>TREC)</a:t>
-            </a:r>
+              <a:t>TREC</a:t>
+            </a:r>
+            <a:r>
+              <a:rPr lang="en-US" dirty="0" smtClean="0"/>
+              <a:t>)</a:t>
+            </a:r>
+          </a:p>
+          <a:p>
+            <a:pPr lvl="2">
+              <a:lnSpc>
+                <a:spcPct val="100000"/>
+              </a:lnSpc>
+            </a:pPr>
+            <a:r>
+              <a:rPr lang="en-US" dirty="0"/>
+              <a:t>Recent 25th anniversary featured many talks, including overview of </a:t>
+            </a:r>
+            <a:r>
+              <a:rPr lang="en-US" dirty="0" err="1"/>
+              <a:t>biomedically</a:t>
+            </a:r>
+            <a:r>
+              <a:rPr lang="en-US" dirty="0"/>
+              <a:t> oriented tracks</a:t>
+            </a:r>
+          </a:p>
+          <a:p>
+            <a:pPr lvl="2"/>
             <a:endParaRPr lang="en-US" dirty="0"/>
           </a:p>
         </p:txBody>
@@ -35339,7 +35409,6 @@
   <p:tag name="ARTICULATE_META_COURSE_VERSION_SET" val="True"/>
   <p:tag name="ARTICULATE_REFERENCE_ID" val="821b8a32-f153-47d5-9c55-c811cdb3df18"/>
   <p:tag name="ARTICULATE_SLIDE_COUNT" val="26"/>
-  <p:tag name="ARTICULATE_PROJECT_OPEN" val="1"/>
   <p:tag name="ARTICULATE_REFERENCE_TYPE_1" val="1"/>
   <p:tag name="ARTICULATE_REFERENCE_1" val="C:\wamp\www\Box Sync\BD2K\OER Content\BDK12\Staged\List of Resources for Research Evaluation and Future Directions.pdf"/>
   <p:tag name="ARTICULATE_REFERENCE_TITLE_1" val="List of Resources for Research Evaluation and Future Directions"/>
@@ -35353,6 +35422,7 @@
   <p:tag name="ARTICULATE_USED_PAGE_SIZE" val="1"/>
   <p:tag name="ARTICULATE_META_COURSE_ID" val="4OTORVcxHQw_course_id"/>
   <p:tag name="ARTICULATE_META_NAME_SET" val="True"/>
+  <p:tag name="ARTICULATE_PROJECT_OPEN" val="0"/>
 </p:tagLst>
 </file>
 
@@ -35619,6 +35689,7 @@
   <p:tag name="ORIGINAL_AUDIO_FILEPATH" val="C:\wamp\www\Box Sync\BD2K\OER Content\BDK12\Staged\Audio\BDK12-7\Slide 1 - Research_ Evaluation and Future Directions.mp3"/>
   <p:tag name="ELAPSEDTIME" val="19.012"/>
   <p:tag name="ARTICULATE_USED_LAYOUT" val="1"/>
+  <p:tag name="ARTICULATE_SLIDE_THUMBNAIL_REFRESH" val="1"/>
 </p:tagLst>
 </file>
 
@@ -35639,6 +35710,7 @@
   <p:tag name="ARTICULATE_PLAYER_CONTROL_NEXT" val="True"/>
   <p:tag name="ARTICULATE_PLAYER_CONTROL_RESOURCES" val="False"/>
   <p:tag name="ARTICULATE_USED_LAYOUT" val="2"/>
+  <p:tag name="ARTICULATE_SLIDE_THUMBNAIL_REFRESH" val="1"/>
 </p:tagLst>
 </file>
 
@@ -35660,6 +35732,7 @@
   <p:tag name="ARTICULATE_PLAYER_CONTROL_NEXT" val="True"/>
   <p:tag name="ARTICULATE_PLAYER_CONTROL_RESOURCES" val="False"/>
   <p:tag name="ARTICULATE_USED_LAYOUT" val="15"/>
+  <p:tag name="ARTICULATE_SLIDE_THUMBNAIL_REFRESH" val="1"/>
 </p:tagLst>
 </file>
 
@@ -35680,6 +35753,7 @@
   <p:tag name="ARTICULATE_PLAYER_CONTROL_NEXT" val="True"/>
   <p:tag name="ARTICULATE_PLAYER_CONTROL_RESOURCES" val="False"/>
   <p:tag name="ARTICULATE_USED_LAYOUT" val="2"/>
+  <p:tag name="ARTICULATE_SLIDE_THUMBNAIL_REFRESH" val="1"/>
 </p:tagLst>
 </file>
 
@@ -35700,6 +35774,7 @@
   <p:tag name="ARTICULATE_PLAYER_CONTROL_NEXT" val="True"/>
   <p:tag name="ARTICULATE_PLAYER_CONTROL_RESOURCES" val="False"/>
   <p:tag name="ARTICULATE_USED_LAYOUT" val="2"/>
+  <p:tag name="ARTICULATE_SLIDE_THUMBNAIL_REFRESH" val="1"/>
 </p:tagLst>
 </file>
 
@@ -35720,6 +35795,7 @@
   <p:tag name="ARTICULATE_PLAYER_CONTROL_NEXT" val="True"/>
   <p:tag name="ARTICULATE_PLAYER_CONTROL_RESOURCES" val="False"/>
   <p:tag name="ARTICULATE_USED_LAYOUT" val="2"/>
+  <p:tag name="ARTICULATE_SLIDE_THUMBNAIL_REFRESH" val="1"/>
 </p:tagLst>
 </file>
 
@@ -35740,6 +35816,7 @@
   <p:tag name="ARTICULATE_PLAYER_CONTROL_NEXT" val="True"/>
   <p:tag name="ARTICULATE_PLAYER_CONTROL_RESOURCES" val="False"/>
   <p:tag name="ARTICULATE_USED_LAYOUT" val="2"/>
+  <p:tag name="ARTICULATE_SLIDE_THUMBNAIL_REFRESH" val="1"/>
 </p:tagLst>
 </file>
 
@@ -35760,6 +35837,7 @@
   <p:tag name="ARTICULATE_PLAYER_CONTROL_NEXT" val="True"/>
   <p:tag name="ARTICULATE_PLAYER_CONTROL_RESOURCES" val="False"/>
   <p:tag name="ARTICULATE_USED_LAYOUT" val="23"/>
+  <p:tag name="ARTICULATE_SLIDE_THUMBNAIL_REFRESH" val="1"/>
 </p:tagLst>
 </file>
 
@@ -35780,6 +35858,7 @@
   <p:tag name="ARTICULATE_PLAYER_CONTROL_NEXT" val="True"/>
   <p:tag name="ARTICULATE_PLAYER_CONTROL_RESOURCES" val="False"/>
   <p:tag name="ARTICULATE_USED_LAYOUT" val="2"/>
+  <p:tag name="ARTICULATE_SLIDE_THUMBNAIL_REFRESH" val="1"/>
 </p:tagLst>
 </file>
 
@@ -35800,6 +35879,7 @@
   <p:tag name="ARTICULATE_PLAYER_CONTROL_NEXT" val="True"/>
   <p:tag name="ARTICULATE_PLAYER_CONTROL_RESOURCES" val="False"/>
   <p:tag name="ARTICULATE_USED_LAYOUT" val="2"/>
+  <p:tag name="ARTICULATE_SLIDE_THUMBNAIL_REFRESH" val="1"/>
 </p:tagLst>
 </file>
 
@@ -35820,6 +35900,7 @@
   <p:tag name="ARTICULATE_PLAYER_CONTROL_NEXT" val="True"/>
   <p:tag name="ARTICULATE_PLAYER_CONTROL_RESOURCES" val="False"/>
   <p:tag name="ARTICULATE_USED_LAYOUT" val="2"/>
+  <p:tag name="ARTICULATE_SLIDE_THUMBNAIL_REFRESH" val="1"/>
 </p:tagLst>
 </file>
 
@@ -35840,6 +35921,7 @@
   <p:tag name="ARTICULATE_PLAYER_CONTROL_NEXT" val="True"/>
   <p:tag name="ARTICULATE_PLAYER_CONTROL_RESOURCES" val="False"/>
   <p:tag name="ARTICULATE_USED_LAYOUT" val="2"/>
+  <p:tag name="ARTICULATE_SLIDE_THUMBNAIL_REFRESH" val="1"/>
 </p:tagLst>
 </file>
 
@@ -35866,6 +35948,7 @@
   <p:tag name="ARTICULATE_PLAYER_CONTROL_NEXT" val="True"/>
   <p:tag name="ARTICULATE_PLAYER_CONTROL_RESOURCES" val="False"/>
   <p:tag name="ARTICULATE_USED_LAYOUT" val="2"/>
+  <p:tag name="ARTICULATE_SLIDE_THUMBNAIL_REFRESH" val="1"/>
 </p:tagLst>
 </file>
 
@@ -35886,6 +35969,7 @@
   <p:tag name="ARTICULATE_PLAYER_CONTROL_NEXT" val="True"/>
   <p:tag name="ARTICULATE_PLAYER_CONTROL_RESOURCES" val="False"/>
   <p:tag name="ARTICULATE_USED_LAYOUT" val="2"/>
+  <p:tag name="ARTICULATE_SLIDE_THUMBNAIL_REFRESH" val="1"/>
 </p:tagLst>
 </file>
 
@@ -35906,6 +35990,7 @@
   <p:tag name="ARTICULATE_PLAYER_CONTROL_NEXT" val="True"/>
   <p:tag name="ARTICULATE_PLAYER_CONTROL_RESOURCES" val="False"/>
   <p:tag name="ARTICULATE_USED_LAYOUT" val="2"/>
+  <p:tag name="ARTICULATE_SLIDE_THUMBNAIL_REFRESH" val="1"/>
 </p:tagLst>
 </file>
 
@@ -35921,6 +36006,7 @@
   <p:tag name="ARTICULATE_PLAYER_CONTROL_NEXT" val="True"/>
   <p:tag name="ARTICULATE_PLAYER_CONTROL_RESOURCES" val="False"/>
   <p:tag name="ARTICULATE_USED_LAYOUT" val="16"/>
+  <p:tag name="ARTICULATE_SLIDE_THUMBNAIL_REFRESH" val="1"/>
 </p:tagLst>
 </file>
 
@@ -35941,6 +36027,7 @@
   <p:tag name="ARTICULATE_PLAYER_CONTROL_NEXT" val="True"/>
   <p:tag name="ARTICULATE_PLAYER_CONTROL_RESOURCES" val="False"/>
   <p:tag name="ARTICULATE_USED_LAYOUT" val="2"/>
+  <p:tag name="ARTICULATE_SLIDE_THUMBNAIL_REFRESH" val="1"/>
 </p:tagLst>
 </file>
 
@@ -35961,6 +36048,7 @@
   <p:tag name="ARTICULATE_PLAYER_CONTROL_NEXT" val="True"/>
   <p:tag name="ARTICULATE_PLAYER_CONTROL_RESOURCES" val="False"/>
   <p:tag name="ARTICULATE_USED_LAYOUT" val="2"/>
+  <p:tag name="ARTICULATE_SLIDE_THUMBNAIL_REFRESH" val="1"/>
 </p:tagLst>
 </file>
 
@@ -35981,6 +36069,7 @@
   <p:tag name="ARTICULATE_PLAYER_CONTROL_NEXT" val="True"/>
   <p:tag name="ARTICULATE_PLAYER_CONTROL_RESOURCES" val="False"/>
   <p:tag name="ARTICULATE_USED_LAYOUT" val="23"/>
+  <p:tag name="ARTICULATE_SLIDE_THUMBNAIL_REFRESH" val="1"/>
 </p:tagLst>
 </file>
 
@@ -36007,6 +36096,7 @@
   <p:tag name="ARTICULATE_PLAYER_CONTROL_NEXT" val="True"/>
   <p:tag name="ARTICULATE_PLAYER_CONTROL_RESOURCES" val="False"/>
   <p:tag name="ARTICULATE_USED_LAYOUT" val="2"/>
+  <p:tag name="ARTICULATE_SLIDE_THUMBNAIL_REFRESH" val="1"/>
 </p:tagLst>
 </file>
 
@@ -36027,6 +36117,7 @@
   <p:tag name="ARTICULATE_PLAYER_CONTROL_NEXT" val="True"/>
   <p:tag name="ARTICULATE_PLAYER_CONTROL_RESOURCES" val="False"/>
   <p:tag name="ARTICULATE_USED_LAYOUT" val="2"/>
+  <p:tag name="ARTICULATE_SLIDE_THUMBNAIL_REFRESH" val="1"/>
 </p:tagLst>
 </file>
 
@@ -36053,6 +36144,7 @@
   <p:tag name="ARTICULATE_PLAYER_CONTROL_NEXT" val="True"/>
   <p:tag name="ARTICULATE_PLAYER_CONTROL_RESOURCES" val="False"/>
   <p:tag name="ARTICULATE_USED_LAYOUT" val="2"/>
+  <p:tag name="ARTICULATE_SLIDE_THUMBNAIL_REFRESH" val="1"/>
 </p:tagLst>
 </file>
 
@@ -36073,6 +36165,7 @@
   <p:tag name="ARTICULATE_PLAYER_CONTROL_NEXT" val="True"/>
   <p:tag name="ARTICULATE_PLAYER_CONTROL_RESOURCES" val="False"/>
   <p:tag name="ARTICULATE_USED_LAYOUT" val="2"/>
+  <p:tag name="ARTICULATE_SLIDE_THUMBNAIL_REFRESH" val="1"/>
 </p:tagLst>
 </file>
 
@@ -36093,6 +36186,7 @@
   <p:tag name="ARTICULATE_PLAYER_CONTROL_NEXT" val="True"/>
   <p:tag name="ARTICULATE_PLAYER_CONTROL_RESOURCES" val="False"/>
   <p:tag name="ARTICULATE_USED_LAYOUT" val="2"/>
+  <p:tag name="ARTICULATE_SLIDE_THUMBNAIL_REFRESH" val="1"/>
 </p:tagLst>
 </file>
 
@@ -36113,6 +36207,7 @@
   <p:tag name="ARTICULATE_PLAYER_CONTROL_NEXT" val="True"/>
   <p:tag name="ARTICULATE_PLAYER_CONTROL_RESOURCES" val="False"/>
   <p:tag name="ARTICULATE_USED_LAYOUT" val="2"/>
+  <p:tag name="ARTICULATE_SLIDE_THUMBNAIL_REFRESH" val="1"/>
 </p:tagLst>
 </file>
 
